--- a/Documentation/T12 Final Presentation.pptx
+++ b/Documentation/T12 Final Presentation.pptx
@@ -11,12 +11,12 @@
     <p:sldId id="258" r:id="rId5"/>
     <p:sldId id="259" r:id="rId6"/>
     <p:sldId id="272" r:id="rId7"/>
-    <p:sldId id="260" r:id="rId8"/>
-    <p:sldId id="271" r:id="rId9"/>
+    <p:sldId id="273" r:id="rId8"/>
+    <p:sldId id="260" r:id="rId9"/>
     <p:sldId id="263" r:id="rId10"/>
-    <p:sldId id="264" r:id="rId11"/>
-    <p:sldId id="265" r:id="rId12"/>
-    <p:sldId id="266" r:id="rId13"/>
+    <p:sldId id="271" r:id="rId11"/>
+    <p:sldId id="264" r:id="rId12"/>
+    <p:sldId id="265" r:id="rId13"/>
     <p:sldId id="267" r:id="rId14"/>
   </p:sldIdLst>
   <p:sldSz cx="9144000" cy="6858000" type="screen4x3"/>
@@ -3120,52 +3120,24 @@
         <p:spPr/>
         <p:txBody>
           <a:bodyPr>
-            <a:normAutofit fontScale="90000"/>
+            <a:normAutofit/>
           </a:bodyPr>
           <a:lstStyle/>
           <a:p>
             <a:pPr algn="l"/>
             <a:r>
-              <a:rPr lang="en-GB" sz="2700" dirty="0" smtClean="0"/>
-              <a:t/>
-            </a:r>
-            <a:br>
-              <a:rPr lang="en-GB" sz="2700" dirty="0" smtClean="0"/>
-            </a:br>
-            <a:r>
-              <a:rPr lang="en-GB" sz="2700" dirty="0" smtClean="0"/>
-              <a:t>E3VB</a:t>
-            </a:r>
-            <a:r>
-              <a:rPr lang="en-US" sz="2700" dirty="0"/>
-              <a:t/>
-            </a:r>
-            <a:br>
-              <a:rPr lang="en-US" sz="2700" dirty="0"/>
-            </a:br>
-            <a:r>
-              <a:rPr lang="en-GB" sz="2700" b="1" dirty="0"/>
-              <a:t>Engineering Engagement Electrical Validation Board</a:t>
-            </a:r>
-            <a:r>
-              <a:rPr lang="en-US" sz="2700" dirty="0"/>
-              <a:t/>
-            </a:r>
-            <a:br>
-              <a:rPr lang="en-US" sz="2700" dirty="0"/>
-            </a:br>
-            <a:r>
-              <a:rPr lang="en-GB" sz="2700" b="1" dirty="0" smtClean="0"/>
-              <a:t>Project Proposal Presentation</a:t>
-            </a:r>
-            <a:r>
-              <a:rPr lang="en-US" dirty="0"/>
-              <a:t/>
-            </a:r>
-            <a:br>
-              <a:rPr lang="en-US" dirty="0"/>
-            </a:br>
-            <a:endParaRPr lang="en-US" dirty="0"/>
+              <a:rPr lang="en-US" dirty="0" smtClean="0">
+                <a:solidFill>
+                  <a:schemeClr val="tx2"/>
+                </a:solidFill>
+              </a:rPr>
+              <a:t>Signal Integrity Education</a:t>
+            </a:r>
+            <a:endParaRPr lang="en-US" dirty="0">
+              <a:solidFill>
+                <a:schemeClr val="tx2"/>
+              </a:solidFill>
+            </a:endParaRPr>
           </a:p>
         </p:txBody>
       </p:sp>
@@ -3193,12 +3165,20 @@
           <a:p>
             <a:pPr algn="l"/>
             <a:r>
+              <a:rPr lang="en-US" sz="2000" b="1" dirty="0" smtClean="0">
+                <a:solidFill>
+                  <a:schemeClr val="accent1"/>
+                </a:solidFill>
+              </a:rPr>
+              <a:t>June </a:t>
+            </a:r>
+            <a:r>
               <a:rPr lang="en-US" sz="2000" b="1" dirty="0">
                 <a:solidFill>
                   <a:schemeClr val="accent1"/>
                 </a:solidFill>
               </a:rPr>
-              <a:t>January 2015</a:t>
+              <a:t>2015</a:t>
             </a:r>
           </a:p>
           <a:p>
@@ -3220,23 +3200,7 @@
                   <a:schemeClr val="accent1"/>
                 </a:solidFill>
               </a:rPr>
-              <a:t>Owners: </a:t>
-            </a:r>
-            <a:r>
-              <a:rPr lang="en-US" sz="2000" b="1" dirty="0">
-                <a:solidFill>
-                  <a:schemeClr val="accent1"/>
-                </a:solidFill>
-              </a:rPr>
-              <a:t>Travis Berger, </a:t>
-            </a:r>
-            <a:r>
-              <a:rPr lang="en-US" sz="2000" b="1" dirty="0">
-                <a:solidFill>
-                  <a:schemeClr val="accent1"/>
-                </a:solidFill>
-              </a:rPr>
-              <a:t>Luis </a:t>
+              <a:t>Owners: Travis Berger, Luis </a:t>
             </a:r>
             <a:r>
               <a:rPr lang="en-US" sz="2000" b="1" dirty="0" smtClean="0">
@@ -3417,59 +3381,124 @@
                   <a:schemeClr val="tx2"/>
                 </a:solidFill>
               </a:rPr>
-              <a:t>Problems That </a:t>
-            </a:r>
-            <a:r>
-              <a:rPr lang="en-US" dirty="0" err="1" smtClean="0">
-                <a:solidFill>
-                  <a:schemeClr val="tx2"/>
+              <a:t>Testing</a:t>
+            </a:r>
+            <a:endParaRPr lang="en-US" dirty="0"/>
+          </a:p>
+        </p:txBody>
+      </p:sp>
+      <p:sp>
+        <p:nvSpPr>
+          <p:cNvPr id="3" name="Content Placeholder 2"/>
+          <p:cNvSpPr>
+            <a:spLocks noGrp="1"/>
+          </p:cNvSpPr>
+          <p:nvPr>
+            <p:ph idx="1"/>
+          </p:nvPr>
+        </p:nvSpPr>
+        <p:spPr>
+          <a:xfrm>
+            <a:off x="457200" y="1600200"/>
+            <a:ext cx="3124200" cy="4572000"/>
+          </a:xfrm>
+        </p:spPr>
+        <p:txBody>
+          <a:bodyPr/>
+          <a:lstStyle/>
+          <a:p>
+            <a:r>
+              <a:rPr lang="en-US" dirty="0" smtClean="0">
+                <a:solidFill>
+                  <a:schemeClr val="accent1"/>
                 </a:solidFill>
               </a:rPr>
-              <a:t>Occured</a:t>
-            </a:r>
-            <a:endParaRPr lang="en-US" dirty="0"/>
-          </a:p>
-        </p:txBody>
-      </p:sp>
-      <p:sp>
-        <p:nvSpPr>
-          <p:cNvPr id="3" name="Content Placeholder 2"/>
-          <p:cNvSpPr>
-            <a:spLocks noGrp="1"/>
-          </p:cNvSpPr>
-          <p:nvPr>
-            <p:ph idx="1"/>
-          </p:nvPr>
-        </p:nvSpPr>
-        <p:spPr/>
-        <p:txBody>
-          <a:bodyPr/>
-          <a:lstStyle/>
-          <a:p>
-            <a:pPr lvl="1"/>
-            <a:r>
-              <a:rPr lang="en-US" b="1" dirty="0" smtClean="0">
+              <a:t>Modular testing breakout boards</a:t>
+            </a:r>
+          </a:p>
+          <a:p>
+            <a:r>
+              <a:rPr lang="en-US" dirty="0" smtClean="0">
                 <a:solidFill>
                   <a:schemeClr val="accent1"/>
                 </a:solidFill>
               </a:rPr>
-              <a:t>Talk about problems that occurred </a:t>
-            </a:r>
-            <a:endParaRPr lang="en-US" b="1" dirty="0" smtClean="0">
+              <a:t>Integrated testing of CLK and loaded inverter</a:t>
+            </a:r>
+            <a:endParaRPr lang="en-US" dirty="0">
               <a:solidFill>
                 <a:schemeClr val="accent1"/>
               </a:solidFill>
             </a:endParaRPr>
           </a:p>
-          <a:p>
-            <a:endParaRPr lang="en-US" dirty="0"/>
-          </a:p>
-        </p:txBody>
-      </p:sp>
+        </p:txBody>
+      </p:sp>
+      <p:pic>
+        <p:nvPicPr>
+          <p:cNvPr id="3074" name="Picture 2"/>
+          <p:cNvPicPr>
+            <a:picLocks noChangeAspect="1" noChangeArrowheads="1"/>
+          </p:cNvPicPr>
+          <p:nvPr/>
+        </p:nvPicPr>
+        <p:blipFill rotWithShape="1">
+          <a:blip r:embed="rId2" cstate="print">
+            <a:extLst>
+              <a:ext uri="{28A0092B-C50C-407E-A947-70E740481C1C}">
+                <a14:useLocalDpi xmlns:a14="http://schemas.microsoft.com/office/drawing/2010/main" val="0"/>
+              </a:ext>
+            </a:extLst>
+          </a:blip>
+          <a:srcRect l="23828"/>
+          <a:stretch/>
+        </p:blipFill>
+        <p:spPr bwMode="auto">
+          <a:xfrm>
+            <a:off x="4114800" y="1600200"/>
+            <a:ext cx="4388076" cy="4320540"/>
+          </a:xfrm>
+          <a:prstGeom prst="rect">
+            <a:avLst/>
+          </a:prstGeom>
+          <a:noFill/>
+          <a:ln>
+            <a:noFill/>
+          </a:ln>
+          <a:effectLst/>
+          <a:extLst>
+            <a:ext uri="{909E8E84-426E-40DD-AFC4-6F175D3DCCD1}">
+              <a14:hiddenFill xmlns:a14="http://schemas.microsoft.com/office/drawing/2010/main">
+                <a:solidFill>
+                  <a:schemeClr val="accent1"/>
+                </a:solidFill>
+              </a14:hiddenFill>
+            </a:ext>
+            <a:ext uri="{91240B29-F687-4F45-9708-019B960494DF}">
+              <a14:hiddenLine xmlns:a14="http://schemas.microsoft.com/office/drawing/2010/main" w="9525">
+                <a:solidFill>
+                  <a:schemeClr val="tx1"/>
+                </a:solidFill>
+                <a:miter lim="800000"/>
+                <a:headEnd/>
+                <a:tailEnd/>
+              </a14:hiddenLine>
+            </a:ext>
+            <a:ext uri="{AF507438-7753-43E0-B8FC-AC1667EBCBE1}">
+              <a14:hiddenEffects xmlns:a14="http://schemas.microsoft.com/office/drawing/2010/main">
+                <a:effectLst>
+                  <a:outerShdw dist="35921" dir="2700000" algn="ctr" rotWithShape="0">
+                    <a:schemeClr val="bg2"/>
+                  </a:outerShdw>
+                </a:effectLst>
+              </a14:hiddenEffects>
+            </a:ext>
+          </a:extLst>
+        </p:spPr>
+      </p:pic>
     </p:spTree>
     <p:extLst>
       <p:ext uri="{BB962C8B-B14F-4D97-AF65-F5344CB8AC3E}">
-        <p14:creationId xmlns:p14="http://schemas.microsoft.com/office/powerpoint/2010/main" val="3657577817"/>
+        <p14:creationId xmlns:p14="http://schemas.microsoft.com/office/powerpoint/2010/main" val="2022992809"/>
       </p:ext>
     </p:extLst>
   </p:cSld>
@@ -3524,7 +3553,15 @@
                   <a:schemeClr val="tx2"/>
                 </a:solidFill>
               </a:rPr>
-              <a:t>Problem Fixes</a:t>
+              <a:t>Main </a:t>
+            </a:r>
+            <a:r>
+              <a:rPr lang="en-US" dirty="0" smtClean="0">
+                <a:solidFill>
+                  <a:schemeClr val="tx2"/>
+                </a:solidFill>
+              </a:rPr>
+              <a:t>Problems</a:t>
             </a:r>
             <a:endParaRPr lang="en-US" dirty="0"/>
           </a:p>
@@ -3545,16 +3582,70 @@
           <a:bodyPr/>
           <a:lstStyle/>
           <a:p>
-            <a:pPr marL="0" indent="0">
-              <a:buNone/>
+            <a:pPr lvl="1">
+              <a:buFont typeface="Arial" panose="020B0604020202020204" pitchFamily="34" charset="0"/>
+              <a:buChar char="•"/>
             </a:pPr>
-            <a:endParaRPr lang="en-US" b="1" dirty="0">
+            <a:r>
+              <a:rPr lang="en-US" b="1" dirty="0" smtClean="0">
+                <a:solidFill>
+                  <a:schemeClr val="accent1"/>
+                </a:solidFill>
+              </a:rPr>
+              <a:t>Problems due to time constraints and loss of resources (two team members) </a:t>
+            </a:r>
+          </a:p>
+          <a:p>
+            <a:pPr lvl="1">
+              <a:buFont typeface="Arial" panose="020B0604020202020204" pitchFamily="34" charset="0"/>
+              <a:buChar char="•"/>
+            </a:pPr>
+            <a:r>
+              <a:rPr lang="en-US" b="1" dirty="0" smtClean="0">
+                <a:solidFill>
+                  <a:schemeClr val="accent1"/>
+                </a:solidFill>
+              </a:rPr>
+              <a:t>Specific problems with MSGT</a:t>
+            </a:r>
+          </a:p>
+          <a:p>
+            <a:pPr lvl="1">
+              <a:buFont typeface="Arial" panose="020B0604020202020204" pitchFamily="34" charset="0"/>
+              <a:buChar char="•"/>
+            </a:pPr>
+            <a:r>
+              <a:rPr lang="en-US" b="1" dirty="0" smtClean="0">
+                <a:solidFill>
+                  <a:schemeClr val="accent1"/>
+                </a:solidFill>
+              </a:rPr>
+              <a:t>Specific problems with ISI</a:t>
+            </a:r>
+          </a:p>
+          <a:p>
+            <a:pPr lvl="1">
+              <a:buFont typeface="Arial" panose="020B0604020202020204" pitchFamily="34" charset="0"/>
+              <a:buChar char="•"/>
+            </a:pPr>
+            <a:endParaRPr lang="en-US" b="1" dirty="0" smtClean="0">
               <a:solidFill>
                 <a:schemeClr val="accent1"/>
               </a:solidFill>
             </a:endParaRPr>
           </a:p>
           <a:p>
+            <a:pPr lvl="1">
+              <a:buFont typeface="Arial" panose="020B0604020202020204" pitchFamily="34" charset="0"/>
+              <a:buChar char="•"/>
+            </a:pPr>
+            <a:endParaRPr lang="en-US" b="1" dirty="0" smtClean="0">
+              <a:solidFill>
+                <a:schemeClr val="accent1"/>
+              </a:solidFill>
+            </a:endParaRPr>
+          </a:p>
+          <a:p>
             <a:endParaRPr lang="en-US" dirty="0"/>
           </a:p>
         </p:txBody>
@@ -3562,7 +3653,7 @@
     </p:spTree>
     <p:extLst>
       <p:ext uri="{BB962C8B-B14F-4D97-AF65-F5344CB8AC3E}">
-        <p14:creationId xmlns:p14="http://schemas.microsoft.com/office/powerpoint/2010/main" val="3047813255"/>
+        <p14:creationId xmlns:p14="http://schemas.microsoft.com/office/powerpoint/2010/main" val="3657577817"/>
       </p:ext>
     </p:extLst>
   </p:cSld>
@@ -3617,7 +3708,15 @@
                   <a:schemeClr val="tx2"/>
                 </a:solidFill>
               </a:rPr>
-              <a:t>Future Improvements</a:t>
+              <a:t>Problem </a:t>
+            </a:r>
+            <a:r>
+              <a:rPr lang="en-US" dirty="0" smtClean="0">
+                <a:solidFill>
+                  <a:schemeClr val="tx2"/>
+                </a:solidFill>
+              </a:rPr>
+              <a:t>Solutions</a:t>
             </a:r>
             <a:endParaRPr lang="en-US" dirty="0"/>
           </a:p>
@@ -3635,31 +3734,297 @@
         </p:nvSpPr>
         <p:spPr/>
         <p:txBody>
-          <a:bodyPr>
-            <a:normAutofit/>
-          </a:bodyPr>
-          <a:lstStyle/>
-          <a:p>
-            <a:r>
-              <a:rPr lang="en-US" b="1" dirty="0" smtClean="0">
-                <a:solidFill>
-                  <a:schemeClr val="accent1"/>
-                </a:solidFill>
-              </a:rPr>
-              <a:t>Work on title… add what we would do given more time. What others can do</a:t>
-            </a:r>
+          <a:bodyPr/>
+          <a:lstStyle/>
+          <a:p>
+            <a:pPr marL="0" indent="0">
+              <a:buNone/>
+            </a:pPr>
             <a:endParaRPr lang="en-US" b="1" dirty="0">
               <a:solidFill>
                 <a:schemeClr val="accent1"/>
               </a:solidFill>
             </a:endParaRPr>
           </a:p>
+          <a:p>
+            <a:endParaRPr lang="en-US" dirty="0"/>
+          </a:p>
+        </p:txBody>
+      </p:sp>
+      <p:sp>
+        <p:nvSpPr>
+          <p:cNvPr id="4" name="Title 1"/>
+          <p:cNvSpPr txBox="1">
+            <a:spLocks/>
+          </p:cNvSpPr>
+          <p:nvPr/>
+        </p:nvSpPr>
+        <p:spPr>
+          <a:xfrm>
+            <a:off x="591855" y="1752600"/>
+            <a:ext cx="8229600" cy="3962400"/>
+          </a:xfrm>
+          <a:prstGeom prst="rect">
+            <a:avLst/>
+          </a:prstGeom>
+        </p:spPr>
+        <p:txBody>
+          <a:bodyPr vert="horz" lIns="91440" tIns="45720" rIns="91440" bIns="45720" rtlCol="0" anchor="ctr">
+            <a:normAutofit/>
+          </a:bodyPr>
+          <a:lstStyle>
+            <a:lvl1pPr algn="ctr" defTabSz="914400" rtl="0" eaLnBrk="1" latinLnBrk="0" hangingPunct="1">
+              <a:spcBef>
+                <a:spcPct val="0"/>
+              </a:spcBef>
+              <a:buNone/>
+              <a:defRPr sz="4400" kern="1200">
+                <a:solidFill>
+                  <a:schemeClr val="tx1"/>
+                </a:solidFill>
+                <a:latin typeface="+mj-lt"/>
+                <a:ea typeface="+mj-ea"/>
+                <a:cs typeface="+mj-cs"/>
+              </a:defRPr>
+            </a:lvl1pPr>
+          </a:lstStyle>
+          <a:p>
+            <a:pPr algn="l"/>
+            <a:endParaRPr lang="en-US" dirty="0"/>
+          </a:p>
+        </p:txBody>
+      </p:sp>
+      <p:sp>
+        <p:nvSpPr>
+          <p:cNvPr id="5" name="Content Placeholder 2"/>
+          <p:cNvSpPr txBox="1">
+            <a:spLocks/>
+          </p:cNvSpPr>
+          <p:nvPr/>
+        </p:nvSpPr>
+        <p:spPr>
+          <a:xfrm>
+            <a:off x="609600" y="1752600"/>
+            <a:ext cx="8229600" cy="4525963"/>
+          </a:xfrm>
+          <a:prstGeom prst="rect">
+            <a:avLst/>
+          </a:prstGeom>
+        </p:spPr>
+        <p:txBody>
+          <a:bodyPr vert="horz" lIns="91440" tIns="45720" rIns="91440" bIns="45720" rtlCol="0">
+            <a:normAutofit/>
+          </a:bodyPr>
+          <a:lstStyle>
+            <a:lvl1pPr marL="342900" indent="-342900" algn="l" defTabSz="914400" rtl="0" eaLnBrk="1" latinLnBrk="0" hangingPunct="1">
+              <a:spcBef>
+                <a:spcPct val="20000"/>
+              </a:spcBef>
+              <a:buFont typeface="Arial" panose="020B0604020202020204" pitchFamily="34" charset="0"/>
+              <a:buChar char="•"/>
+              <a:defRPr sz="3200" kern="1200">
+                <a:solidFill>
+                  <a:schemeClr val="tx1"/>
+                </a:solidFill>
+                <a:latin typeface="+mn-lt"/>
+                <a:ea typeface="+mn-ea"/>
+                <a:cs typeface="+mn-cs"/>
+              </a:defRPr>
+            </a:lvl1pPr>
+            <a:lvl2pPr marL="742950" indent="-285750" algn="l" defTabSz="914400" rtl="0" eaLnBrk="1" latinLnBrk="0" hangingPunct="1">
+              <a:spcBef>
+                <a:spcPct val="20000"/>
+              </a:spcBef>
+              <a:buFont typeface="Arial" panose="020B0604020202020204" pitchFamily="34" charset="0"/>
+              <a:buChar char="–"/>
+              <a:defRPr sz="2800" kern="1200">
+                <a:solidFill>
+                  <a:schemeClr val="tx1"/>
+                </a:solidFill>
+                <a:latin typeface="+mn-lt"/>
+                <a:ea typeface="+mn-ea"/>
+                <a:cs typeface="+mn-cs"/>
+              </a:defRPr>
+            </a:lvl2pPr>
+            <a:lvl3pPr marL="1143000" indent="-228600" algn="l" defTabSz="914400" rtl="0" eaLnBrk="1" latinLnBrk="0" hangingPunct="1">
+              <a:spcBef>
+                <a:spcPct val="20000"/>
+              </a:spcBef>
+              <a:buFont typeface="Arial" panose="020B0604020202020204" pitchFamily="34" charset="0"/>
+              <a:buChar char="•"/>
+              <a:defRPr sz="2400" kern="1200">
+                <a:solidFill>
+                  <a:schemeClr val="tx1"/>
+                </a:solidFill>
+                <a:latin typeface="+mn-lt"/>
+                <a:ea typeface="+mn-ea"/>
+                <a:cs typeface="+mn-cs"/>
+              </a:defRPr>
+            </a:lvl3pPr>
+            <a:lvl4pPr marL="1600200" indent="-228600" algn="l" defTabSz="914400" rtl="0" eaLnBrk="1" latinLnBrk="0" hangingPunct="1">
+              <a:spcBef>
+                <a:spcPct val="20000"/>
+              </a:spcBef>
+              <a:buFont typeface="Arial" panose="020B0604020202020204" pitchFamily="34" charset="0"/>
+              <a:buChar char="–"/>
+              <a:defRPr sz="2000" kern="1200">
+                <a:solidFill>
+                  <a:schemeClr val="tx1"/>
+                </a:solidFill>
+                <a:latin typeface="+mn-lt"/>
+                <a:ea typeface="+mn-ea"/>
+                <a:cs typeface="+mn-cs"/>
+              </a:defRPr>
+            </a:lvl4pPr>
+            <a:lvl5pPr marL="2057400" indent="-228600" algn="l" defTabSz="914400" rtl="0" eaLnBrk="1" latinLnBrk="0" hangingPunct="1">
+              <a:spcBef>
+                <a:spcPct val="20000"/>
+              </a:spcBef>
+              <a:buFont typeface="Arial" panose="020B0604020202020204" pitchFamily="34" charset="0"/>
+              <a:buChar char="»"/>
+              <a:defRPr sz="2000" kern="1200">
+                <a:solidFill>
+                  <a:schemeClr val="tx1"/>
+                </a:solidFill>
+                <a:latin typeface="+mn-lt"/>
+                <a:ea typeface="+mn-ea"/>
+                <a:cs typeface="+mn-cs"/>
+              </a:defRPr>
+            </a:lvl5pPr>
+            <a:lvl6pPr marL="2514600" indent="-228600" algn="l" defTabSz="914400" rtl="0" eaLnBrk="1" latinLnBrk="0" hangingPunct="1">
+              <a:spcBef>
+                <a:spcPct val="20000"/>
+              </a:spcBef>
+              <a:buFont typeface="Arial" panose="020B0604020202020204" pitchFamily="34" charset="0"/>
+              <a:buChar char="•"/>
+              <a:defRPr sz="2000" kern="1200">
+                <a:solidFill>
+                  <a:schemeClr val="tx1"/>
+                </a:solidFill>
+                <a:latin typeface="+mn-lt"/>
+                <a:ea typeface="+mn-ea"/>
+                <a:cs typeface="+mn-cs"/>
+              </a:defRPr>
+            </a:lvl6pPr>
+            <a:lvl7pPr marL="2971800" indent="-228600" algn="l" defTabSz="914400" rtl="0" eaLnBrk="1" latinLnBrk="0" hangingPunct="1">
+              <a:spcBef>
+                <a:spcPct val="20000"/>
+              </a:spcBef>
+              <a:buFont typeface="Arial" panose="020B0604020202020204" pitchFamily="34" charset="0"/>
+              <a:buChar char="•"/>
+              <a:defRPr sz="2000" kern="1200">
+                <a:solidFill>
+                  <a:schemeClr val="tx1"/>
+                </a:solidFill>
+                <a:latin typeface="+mn-lt"/>
+                <a:ea typeface="+mn-ea"/>
+                <a:cs typeface="+mn-cs"/>
+              </a:defRPr>
+            </a:lvl7pPr>
+            <a:lvl8pPr marL="3429000" indent="-228600" algn="l" defTabSz="914400" rtl="0" eaLnBrk="1" latinLnBrk="0" hangingPunct="1">
+              <a:spcBef>
+                <a:spcPct val="20000"/>
+              </a:spcBef>
+              <a:buFont typeface="Arial" panose="020B0604020202020204" pitchFamily="34" charset="0"/>
+              <a:buChar char="•"/>
+              <a:defRPr sz="2000" kern="1200">
+                <a:solidFill>
+                  <a:schemeClr val="tx1"/>
+                </a:solidFill>
+                <a:latin typeface="+mn-lt"/>
+                <a:ea typeface="+mn-ea"/>
+                <a:cs typeface="+mn-cs"/>
+              </a:defRPr>
+            </a:lvl8pPr>
+            <a:lvl9pPr marL="3886200" indent="-228600" algn="l" defTabSz="914400" rtl="0" eaLnBrk="1" latinLnBrk="0" hangingPunct="1">
+              <a:spcBef>
+                <a:spcPct val="20000"/>
+              </a:spcBef>
+              <a:buFont typeface="Arial" panose="020B0604020202020204" pitchFamily="34" charset="0"/>
+              <a:buChar char="•"/>
+              <a:defRPr sz="2000" kern="1200">
+                <a:solidFill>
+                  <a:schemeClr val="tx1"/>
+                </a:solidFill>
+                <a:latin typeface="+mn-lt"/>
+                <a:ea typeface="+mn-ea"/>
+                <a:cs typeface="+mn-cs"/>
+              </a:defRPr>
+            </a:lvl9pPr>
+          </a:lstStyle>
+          <a:p>
+            <a:pPr lvl="1">
+              <a:buFont typeface="Arial" panose="020B0604020202020204" pitchFamily="34" charset="0"/>
+              <a:buChar char="•"/>
+            </a:pPr>
+            <a:r>
+              <a:rPr lang="en-US" b="1" dirty="0" smtClean="0">
+                <a:solidFill>
+                  <a:schemeClr val="accent1"/>
+                </a:solidFill>
+              </a:rPr>
+              <a:t>Board Modifications</a:t>
+            </a:r>
+          </a:p>
+          <a:p>
+            <a:pPr lvl="1">
+              <a:buFont typeface="Arial" panose="020B0604020202020204" pitchFamily="34" charset="0"/>
+              <a:buChar char="•"/>
+            </a:pPr>
+            <a:r>
+              <a:rPr lang="en-US" b="1" dirty="0" smtClean="0">
+                <a:solidFill>
+                  <a:schemeClr val="accent1"/>
+                </a:solidFill>
+              </a:rPr>
+              <a:t>Layout Changes</a:t>
+            </a:r>
+          </a:p>
+          <a:p>
+            <a:pPr lvl="1">
+              <a:buFont typeface="Arial" panose="020B0604020202020204" pitchFamily="34" charset="0"/>
+              <a:buChar char="•"/>
+            </a:pPr>
+            <a:r>
+              <a:rPr lang="en-US" b="1" dirty="0" smtClean="0">
+                <a:solidFill>
+                  <a:schemeClr val="accent1"/>
+                </a:solidFill>
+              </a:rPr>
+              <a:t>Scope Changes</a:t>
+            </a:r>
+          </a:p>
+          <a:p>
+            <a:pPr lvl="1">
+              <a:buFont typeface="Arial" panose="020B0604020202020204" pitchFamily="34" charset="0"/>
+              <a:buChar char="•"/>
+            </a:pPr>
+            <a:endParaRPr lang="en-US" b="1" dirty="0" smtClean="0">
+              <a:solidFill>
+                <a:schemeClr val="accent1"/>
+              </a:solidFill>
+            </a:endParaRPr>
+          </a:p>
+          <a:p>
+            <a:pPr lvl="1">
+              <a:buFont typeface="Arial" panose="020B0604020202020204" pitchFamily="34" charset="0"/>
+              <a:buChar char="•"/>
+            </a:pPr>
+            <a:endParaRPr lang="en-US" b="1" dirty="0" smtClean="0">
+              <a:solidFill>
+                <a:schemeClr val="accent1"/>
+              </a:solidFill>
+            </a:endParaRPr>
+          </a:p>
+          <a:p>
+            <a:endParaRPr lang="en-US" dirty="0"/>
+          </a:p>
         </p:txBody>
       </p:sp>
     </p:spTree>
     <p:extLst>
       <p:ext uri="{BB962C8B-B14F-4D97-AF65-F5344CB8AC3E}">
-        <p14:creationId xmlns:p14="http://schemas.microsoft.com/office/powerpoint/2010/main" val="998062714"/>
+        <p14:creationId xmlns:p14="http://schemas.microsoft.com/office/powerpoint/2010/main" val="3047813255"/>
       </p:ext>
     </p:extLst>
   </p:cSld>
@@ -3738,19 +4103,57 @@
           <a:lstStyle/>
           <a:p>
             <a:r>
-              <a:rPr lang="en-US" dirty="0" smtClean="0"/>
-              <a:t>Thank you to Sponsor</a:t>
-            </a:r>
-          </a:p>
-          <a:p>
-            <a:r>
-              <a:rPr lang="en-US" dirty="0" smtClean="0"/>
-              <a:t>Thank you to Intel for Money support project</a:t>
-            </a:r>
-          </a:p>
-          <a:p>
-            <a:r>
-              <a:rPr lang="en-US" dirty="0" smtClean="0"/>
+              <a:rPr lang="en-US" dirty="0" smtClean="0">
+                <a:solidFill>
+                  <a:schemeClr val="accent1"/>
+                </a:solidFill>
+              </a:rPr>
+              <a:t>Thank you </a:t>
+            </a:r>
+            <a:r>
+              <a:rPr lang="en-US" dirty="0" smtClean="0">
+                <a:solidFill>
+                  <a:schemeClr val="accent1"/>
+                </a:solidFill>
+              </a:rPr>
+              <a:t>Tony</a:t>
+            </a:r>
+            <a:endParaRPr lang="en-US" dirty="0" smtClean="0">
+              <a:solidFill>
+                <a:schemeClr val="accent1"/>
+              </a:solidFill>
+            </a:endParaRPr>
+          </a:p>
+          <a:p>
+            <a:r>
+              <a:rPr lang="en-US" dirty="0" smtClean="0">
+                <a:solidFill>
+                  <a:schemeClr val="accent1"/>
+                </a:solidFill>
+              </a:rPr>
+              <a:t>Thank you to Intel for </a:t>
+            </a:r>
+            <a:r>
+              <a:rPr lang="en-US" dirty="0" smtClean="0">
+                <a:solidFill>
+                  <a:schemeClr val="accent1"/>
+                </a:solidFill>
+              </a:rPr>
+              <a:t>supporting our project</a:t>
+            </a:r>
+            <a:endParaRPr lang="en-US" dirty="0" smtClean="0">
+              <a:solidFill>
+                <a:schemeClr val="accent1"/>
+              </a:solidFill>
+            </a:endParaRPr>
+          </a:p>
+          <a:p>
+            <a:r>
+              <a:rPr lang="en-US" dirty="0" smtClean="0">
+                <a:solidFill>
+                  <a:schemeClr val="accent1"/>
+                </a:solidFill>
+              </a:rPr>
               <a:t>Thank you to Dr. Morris for meeting each week and helping with the process.</a:t>
             </a:r>
           </a:p>
@@ -3843,7 +4246,7 @@
                   <a:schemeClr val="accent1"/>
                 </a:solidFill>
               </a:rPr>
-              <a:t>Objective of project: Design two experiments to help students/industry …..</a:t>
+              <a:t>The objective of this Capstone Project was to create two experiment boards that help students build an intuition for signal integrity issues.</a:t>
             </a:r>
             <a:endParaRPr lang="en-US" dirty="0">
               <a:solidFill>
@@ -4036,15 +4439,7 @@
                   <a:schemeClr val="tx2"/>
                 </a:solidFill>
               </a:rPr>
-              <a:t>Mixed Signal Groun</a:t>
-            </a:r>
-            <a:r>
-              <a:rPr lang="en-US" dirty="0" smtClean="0">
-                <a:solidFill>
-                  <a:schemeClr val="tx2"/>
-                </a:solidFill>
-              </a:rPr>
-              <a:t>d Techniques</a:t>
+              <a:t>Mixed Signal Ground Techniques</a:t>
             </a:r>
             <a:endParaRPr lang="en-US" dirty="0">
               <a:solidFill>
@@ -4054,60 +4449,823 @@
           </a:p>
         </p:txBody>
       </p:sp>
-      <p:sp>
-        <p:nvSpPr>
-          <p:cNvPr id="3" name="Content Placeholder 2"/>
-          <p:cNvSpPr>
-            <a:spLocks noGrp="1"/>
-          </p:cNvSpPr>
-          <p:nvPr>
-            <p:ph idx="1"/>
-          </p:nvPr>
-        </p:nvSpPr>
-        <p:spPr/>
-        <p:txBody>
-          <a:bodyPr/>
-          <a:lstStyle/>
-          <a:p>
-            <a:pPr marL="457200" lvl="1" indent="0">
-              <a:buNone/>
-            </a:pPr>
-            <a:r>
-              <a:rPr lang="en-US" dirty="0" smtClean="0">
+      <p:grpSp>
+        <p:nvGrpSpPr>
+          <p:cNvPr id="4" name="Group 3"/>
+          <p:cNvGrpSpPr/>
+          <p:nvPr/>
+        </p:nvGrpSpPr>
+        <p:grpSpPr>
+          <a:xfrm>
+            <a:off x="228600" y="1949167"/>
+            <a:ext cx="4305301" cy="3037618"/>
+            <a:chOff x="0" y="18920"/>
+            <a:chExt cx="4305302" cy="3192462"/>
+          </a:xfrm>
+        </p:grpSpPr>
+        <p:grpSp>
+          <p:nvGrpSpPr>
+            <p:cNvPr id="5" name="Group 4"/>
+            <p:cNvGrpSpPr/>
+            <p:nvPr/>
+          </p:nvGrpSpPr>
+          <p:grpSpPr>
+            <a:xfrm>
+              <a:off x="0" y="460177"/>
+              <a:ext cx="4305302" cy="2751205"/>
+              <a:chOff x="0" y="460177"/>
+              <a:chExt cx="6105699" cy="3581400"/>
+            </a:xfrm>
+          </p:grpSpPr>
+          <p:sp>
+            <p:nvSpPr>
+              <p:cNvPr id="8" name="Rectangle 7"/>
+              <p:cNvSpPr/>
+              <p:nvPr/>
+            </p:nvSpPr>
+            <p:spPr>
+              <a:xfrm>
+                <a:off x="0" y="460177"/>
+                <a:ext cx="5943600" cy="3581400"/>
+              </a:xfrm>
+              <a:prstGeom prst="rect">
+                <a:avLst/>
+              </a:prstGeom>
+              <a:noFill/>
+              <a:ln>
+                <a:solidFill>
+                  <a:schemeClr val="tx1"/>
+                </a:solidFill>
+              </a:ln>
+            </p:spPr>
+            <p:style>
+              <a:lnRef idx="2">
+                <a:schemeClr val="accent1">
+                  <a:shade val="50000"/>
+                </a:schemeClr>
+              </a:lnRef>
+              <a:fillRef idx="1">
+                <a:schemeClr val="accent1"/>
+              </a:fillRef>
+              <a:effectRef idx="0">
+                <a:schemeClr val="accent1"/>
+              </a:effectRef>
+              <a:fontRef idx="minor">
+                <a:schemeClr val="lt1"/>
+              </a:fontRef>
+            </p:style>
+            <p:txBody>
+              <a:bodyPr rot="0" spcFirstLastPara="0" vert="horz" wrap="square" lIns="91440" tIns="45720" rIns="91440" bIns="45720" numCol="1" spcCol="0" rtlCol="0" fromWordArt="0" anchor="ctr" anchorCtr="0" forceAA="0" compatLnSpc="1">
+                <a:prstTxWarp prst="textNoShape">
+                  <a:avLst/>
+                </a:prstTxWarp>
+                <a:noAutofit/>
+              </a:bodyPr>
+              <a:lstStyle/>
+              <a:p>
+                <a:endParaRPr lang="en-US"/>
+              </a:p>
+            </p:txBody>
+          </p:sp>
+          <p:cxnSp>
+            <p:nvCxnSpPr>
+              <p:cNvPr id="9" name="Straight Connector 8"/>
+              <p:cNvCxnSpPr/>
+              <p:nvPr/>
+            </p:nvCxnSpPr>
+            <p:spPr>
+              <a:xfrm>
+                <a:off x="0" y="2822377"/>
+                <a:ext cx="3352800" cy="0"/>
+              </a:xfrm>
+              <a:prstGeom prst="line">
+                <a:avLst/>
+              </a:prstGeom>
+              <a:ln>
+                <a:solidFill>
+                  <a:schemeClr val="tx1"/>
+                </a:solidFill>
+              </a:ln>
+            </p:spPr>
+            <p:style>
+              <a:lnRef idx="1">
+                <a:schemeClr val="accent1"/>
+              </a:lnRef>
+              <a:fillRef idx="0">
+                <a:schemeClr val="accent1"/>
+              </a:fillRef>
+              <a:effectRef idx="0">
+                <a:schemeClr val="accent1"/>
+              </a:effectRef>
+              <a:fontRef idx="minor">
+                <a:schemeClr val="tx1"/>
+              </a:fontRef>
+            </p:style>
+          </p:cxnSp>
+          <p:cxnSp>
+            <p:nvCxnSpPr>
+              <p:cNvPr id="10" name="Straight Connector 9"/>
+              <p:cNvCxnSpPr/>
+              <p:nvPr/>
+            </p:nvCxnSpPr>
+            <p:spPr>
+              <a:xfrm flipV="1">
+                <a:off x="3352800" y="460177"/>
+                <a:ext cx="0" cy="2362200"/>
+              </a:xfrm>
+              <a:prstGeom prst="line">
+                <a:avLst/>
+              </a:prstGeom>
+              <a:ln>
+                <a:solidFill>
+                  <a:schemeClr val="tx1"/>
+                </a:solidFill>
+              </a:ln>
+            </p:spPr>
+            <p:style>
+              <a:lnRef idx="1">
+                <a:schemeClr val="accent1"/>
+              </a:lnRef>
+              <a:fillRef idx="0">
+                <a:schemeClr val="accent1"/>
+              </a:fillRef>
+              <a:effectRef idx="0">
+                <a:schemeClr val="accent1"/>
+              </a:effectRef>
+              <a:fontRef idx="minor">
+                <a:schemeClr val="tx1"/>
+              </a:fontRef>
+            </p:style>
+          </p:cxnSp>
+          <p:cxnSp>
+            <p:nvCxnSpPr>
+              <p:cNvPr id="11" name="Straight Connector 10"/>
+              <p:cNvCxnSpPr/>
+              <p:nvPr/>
+            </p:nvCxnSpPr>
+            <p:spPr>
+              <a:xfrm>
+                <a:off x="0" y="2974777"/>
+                <a:ext cx="3505200" cy="0"/>
+              </a:xfrm>
+              <a:prstGeom prst="line">
+                <a:avLst/>
+              </a:prstGeom>
+              <a:ln>
+                <a:solidFill>
+                  <a:schemeClr val="tx1"/>
+                </a:solidFill>
+              </a:ln>
+            </p:spPr>
+            <p:style>
+              <a:lnRef idx="1">
+                <a:schemeClr val="accent1"/>
+              </a:lnRef>
+              <a:fillRef idx="0">
+                <a:schemeClr val="accent1"/>
+              </a:fillRef>
+              <a:effectRef idx="0">
+                <a:schemeClr val="accent1"/>
+              </a:effectRef>
+              <a:fontRef idx="minor">
+                <a:schemeClr val="tx1"/>
+              </a:fontRef>
+            </p:style>
+          </p:cxnSp>
+          <p:cxnSp>
+            <p:nvCxnSpPr>
+              <p:cNvPr id="12" name="Straight Connector 11"/>
+              <p:cNvCxnSpPr/>
+              <p:nvPr/>
+            </p:nvCxnSpPr>
+            <p:spPr>
+              <a:xfrm flipV="1">
+                <a:off x="3505200" y="460177"/>
+                <a:ext cx="0" cy="2514600"/>
+              </a:xfrm>
+              <a:prstGeom prst="line">
+                <a:avLst/>
+              </a:prstGeom>
+              <a:ln>
+                <a:solidFill>
+                  <a:schemeClr val="tx1"/>
+                </a:solidFill>
+              </a:ln>
+            </p:spPr>
+            <p:style>
+              <a:lnRef idx="1">
+                <a:schemeClr val="accent1"/>
+              </a:lnRef>
+              <a:fillRef idx="0">
+                <a:schemeClr val="accent1"/>
+              </a:fillRef>
+              <a:effectRef idx="0">
+                <a:schemeClr val="accent1"/>
+              </a:effectRef>
+              <a:fontRef idx="minor">
+                <a:schemeClr val="tx1"/>
+              </a:fontRef>
+            </p:style>
+          </p:cxnSp>
+          <p:sp>
+            <p:nvSpPr>
+              <p:cNvPr id="13" name="TextBox 15"/>
+              <p:cNvSpPr txBox="1"/>
+              <p:nvPr/>
+            </p:nvSpPr>
+            <p:spPr>
+              <a:xfrm>
+                <a:off x="227734" y="531827"/>
+                <a:ext cx="2697133" cy="603429"/>
+              </a:xfrm>
+              <a:prstGeom prst="rect">
+                <a:avLst/>
+              </a:prstGeom>
+              <a:noFill/>
+            </p:spPr>
+            <p:txBody>
+              <a:bodyPr wrap="square" rtlCol="0">
+                <a:noAutofit/>
+              </a:bodyPr>
+              <a:lstStyle/>
+              <a:p>
+                <a:pPr marL="0" marR="0">
+                  <a:spcBef>
+                    <a:spcPts val="0"/>
+                  </a:spcBef>
+                  <a:spcAft>
+                    <a:spcPts val="0"/>
+                  </a:spcAft>
+                </a:pPr>
+                <a:r>
+                  <a:rPr lang="en-US" sz="1200" kern="1200">
+                    <a:solidFill>
+                      <a:srgbClr val="000000"/>
+                    </a:solidFill>
+                    <a:effectLst/>
+                    <a:latin typeface="Calibri"/>
+                    <a:ea typeface="Times New Roman"/>
+                    <a:cs typeface="Times New Roman"/>
+                  </a:rPr>
+                  <a:t>Digital Circuity With </a:t>
+                </a:r>
+                <a:endParaRPr lang="en-US" sz="1200">
+                  <a:effectLst/>
+                  <a:latin typeface="Times New Roman"/>
+                  <a:ea typeface="Times New Roman"/>
+                </a:endParaRPr>
+              </a:p>
+              <a:p>
+                <a:pPr marL="0" marR="0">
+                  <a:spcBef>
+                    <a:spcPts val="0"/>
+                  </a:spcBef>
+                  <a:spcAft>
+                    <a:spcPts val="0"/>
+                  </a:spcAft>
+                </a:pPr>
+                <a:r>
+                  <a:rPr lang="en-US" sz="1200" kern="1200">
+                    <a:solidFill>
+                      <a:srgbClr val="000000"/>
+                    </a:solidFill>
+                    <a:effectLst/>
+                    <a:latin typeface="Calibri"/>
+                    <a:ea typeface="Times New Roman"/>
+                    <a:cs typeface="Times New Roman"/>
+                  </a:rPr>
+                  <a:t>Semi-Isolated Ground Plane</a:t>
+                </a:r>
+                <a:endParaRPr lang="en-US" sz="1200">
+                  <a:effectLst/>
+                  <a:latin typeface="Times New Roman"/>
+                  <a:ea typeface="Times New Roman"/>
+                </a:endParaRPr>
+              </a:p>
+            </p:txBody>
+          </p:sp>
+          <p:cxnSp>
+            <p:nvCxnSpPr>
+              <p:cNvPr id="14" name="Straight Arrow Connector 13"/>
+              <p:cNvCxnSpPr/>
+              <p:nvPr/>
+            </p:nvCxnSpPr>
+            <p:spPr>
+              <a:xfrm>
+                <a:off x="2362200" y="1526977"/>
+                <a:ext cx="2133600" cy="0"/>
+              </a:xfrm>
+              <a:prstGeom prst="straightConnector1">
+                <a:avLst/>
+              </a:prstGeom>
+              <a:ln>
+                <a:solidFill>
+                  <a:schemeClr val="tx1"/>
+                </a:solidFill>
+                <a:tailEnd type="arrow"/>
+              </a:ln>
+            </p:spPr>
+            <p:style>
+              <a:lnRef idx="1">
+                <a:schemeClr val="accent1"/>
+              </a:lnRef>
+              <a:fillRef idx="0">
+                <a:schemeClr val="accent1"/>
+              </a:fillRef>
+              <a:effectRef idx="0">
+                <a:schemeClr val="accent1"/>
+              </a:effectRef>
+              <a:fontRef idx="minor">
+                <a:schemeClr val="tx1"/>
+              </a:fontRef>
+            </p:style>
+          </p:cxnSp>
+          <p:cxnSp>
+            <p:nvCxnSpPr>
+              <p:cNvPr id="15" name="Straight Arrow Connector 14"/>
+              <p:cNvCxnSpPr/>
+              <p:nvPr/>
+            </p:nvCxnSpPr>
+            <p:spPr>
+              <a:xfrm>
+                <a:off x="1295400" y="2136577"/>
+                <a:ext cx="0" cy="1066800"/>
+              </a:xfrm>
+              <a:prstGeom prst="straightConnector1">
+                <a:avLst/>
+              </a:prstGeom>
+              <a:ln>
+                <a:solidFill>
+                  <a:schemeClr val="tx1"/>
+                </a:solidFill>
+                <a:tailEnd type="arrow"/>
+              </a:ln>
+            </p:spPr>
+            <p:style>
+              <a:lnRef idx="1">
+                <a:schemeClr val="accent1"/>
+              </a:lnRef>
+              <a:fillRef idx="0">
+                <a:schemeClr val="accent1"/>
+              </a:fillRef>
+              <a:effectRef idx="0">
+                <a:schemeClr val="accent1"/>
+              </a:effectRef>
+              <a:fontRef idx="minor">
+                <a:schemeClr val="tx1"/>
+              </a:fontRef>
+            </p:style>
+          </p:cxnSp>
+          <p:sp>
+            <p:nvSpPr>
+              <p:cNvPr id="16" name="TextBox 21"/>
+              <p:cNvSpPr txBox="1"/>
+              <p:nvPr/>
+            </p:nvSpPr>
+            <p:spPr>
+              <a:xfrm>
+                <a:off x="1" y="1767134"/>
+                <a:ext cx="1863182" cy="483742"/>
+              </a:xfrm>
+              <a:prstGeom prst="rect">
+                <a:avLst/>
+              </a:prstGeom>
+              <a:noFill/>
+            </p:spPr>
+            <p:txBody>
+              <a:bodyPr wrap="square" rtlCol="0">
+                <a:noAutofit/>
+              </a:bodyPr>
+              <a:lstStyle/>
+              <a:p>
+                <a:pPr marL="0" marR="0">
+                  <a:spcBef>
+                    <a:spcPts val="0"/>
+                  </a:spcBef>
+                  <a:spcAft>
+                    <a:spcPts val="0"/>
+                  </a:spcAft>
+                </a:pPr>
+                <a:r>
+                  <a:rPr lang="en-US" sz="1400" kern="1200" dirty="0">
+                    <a:solidFill>
+                      <a:srgbClr val="000000"/>
+                    </a:solidFill>
+                    <a:effectLst/>
+                    <a:latin typeface="Calibri"/>
+                    <a:ea typeface="Times New Roman"/>
+                    <a:cs typeface="Times New Roman"/>
+                  </a:rPr>
+                  <a:t>Return Path A</a:t>
+                </a:r>
+                <a:endParaRPr lang="en-US" sz="1200" dirty="0">
+                  <a:effectLst/>
+                  <a:latin typeface="Times New Roman"/>
+                  <a:ea typeface="Times New Roman"/>
+                </a:endParaRPr>
+              </a:p>
+            </p:txBody>
+          </p:sp>
+          <p:sp>
+            <p:nvSpPr>
+              <p:cNvPr id="17" name="TextBox 23"/>
+              <p:cNvSpPr txBox="1"/>
+              <p:nvPr/>
+            </p:nvSpPr>
+            <p:spPr>
+              <a:xfrm>
+                <a:off x="1780309" y="1526978"/>
+                <a:ext cx="1947949" cy="449718"/>
+              </a:xfrm>
+              <a:prstGeom prst="rect">
+                <a:avLst/>
+              </a:prstGeom>
+              <a:noFill/>
+            </p:spPr>
+            <p:txBody>
+              <a:bodyPr wrap="square" rtlCol="0">
+                <a:noAutofit/>
+              </a:bodyPr>
+              <a:lstStyle/>
+              <a:p>
+                <a:pPr marL="0" marR="0">
+                  <a:spcBef>
+                    <a:spcPts val="0"/>
+                  </a:spcBef>
+                  <a:spcAft>
+                    <a:spcPts val="0"/>
+                  </a:spcAft>
+                </a:pPr>
+                <a:r>
+                  <a:rPr lang="en-US" sz="1400" kern="1200" dirty="0">
+                    <a:solidFill>
+                      <a:srgbClr val="000000"/>
+                    </a:solidFill>
+                    <a:effectLst/>
+                    <a:latin typeface="Calibri"/>
+                    <a:ea typeface="Times New Roman"/>
+                    <a:cs typeface="Times New Roman"/>
+                  </a:rPr>
+                  <a:t>Return Path B</a:t>
+                </a:r>
+                <a:endParaRPr lang="en-US" sz="1200" dirty="0">
+                  <a:effectLst/>
+                  <a:latin typeface="Times New Roman"/>
+                  <a:ea typeface="Times New Roman"/>
+                </a:endParaRPr>
+              </a:p>
+            </p:txBody>
+          </p:sp>
+          <p:sp>
+            <p:nvSpPr>
+              <p:cNvPr id="18" name="TextBox 24"/>
+              <p:cNvSpPr txBox="1"/>
+              <p:nvPr/>
+            </p:nvSpPr>
+            <p:spPr>
+              <a:xfrm>
+                <a:off x="3597057" y="1942356"/>
+                <a:ext cx="2508642" cy="455087"/>
+              </a:xfrm>
+              <a:prstGeom prst="rect">
+                <a:avLst/>
+              </a:prstGeom>
+              <a:noFill/>
+            </p:spPr>
+            <p:txBody>
+              <a:bodyPr wrap="square" rtlCol="0">
+                <a:noAutofit/>
+              </a:bodyPr>
+              <a:lstStyle/>
+              <a:p>
+                <a:pPr marL="0" marR="0">
+                  <a:spcBef>
+                    <a:spcPts val="0"/>
+                  </a:spcBef>
+                  <a:spcAft>
+                    <a:spcPts val="0"/>
+                  </a:spcAft>
+                </a:pPr>
+                <a:r>
+                  <a:rPr lang="en-US" sz="1400" kern="1200" dirty="0">
+                    <a:solidFill>
+                      <a:srgbClr val="000000"/>
+                    </a:solidFill>
+                    <a:effectLst/>
+                    <a:latin typeface="Calibri"/>
+                    <a:ea typeface="Times New Roman"/>
+                    <a:cs typeface="Times New Roman"/>
+                  </a:rPr>
+                  <a:t>Analog Circuity</a:t>
+                </a:r>
+                <a:endParaRPr lang="en-US" sz="1200" dirty="0">
+                  <a:effectLst/>
+                  <a:latin typeface="Times New Roman"/>
+                  <a:ea typeface="Times New Roman"/>
+                </a:endParaRPr>
+              </a:p>
+            </p:txBody>
+          </p:sp>
+          <p:cxnSp>
+            <p:nvCxnSpPr>
+              <p:cNvPr id="19" name="Straight Arrow Connector 18"/>
+              <p:cNvCxnSpPr/>
+              <p:nvPr/>
+            </p:nvCxnSpPr>
+            <p:spPr>
+              <a:xfrm>
+                <a:off x="4648200" y="1526977"/>
+                <a:ext cx="0" cy="424934"/>
+              </a:xfrm>
+              <a:prstGeom prst="straightConnector1">
+                <a:avLst/>
+              </a:prstGeom>
+              <a:ln>
+                <a:solidFill>
+                  <a:schemeClr val="tx1"/>
+                </a:solidFill>
+                <a:tailEnd type="arrow"/>
+              </a:ln>
+            </p:spPr>
+            <p:style>
+              <a:lnRef idx="1">
+                <a:schemeClr val="accent1"/>
+              </a:lnRef>
+              <a:fillRef idx="0">
+                <a:schemeClr val="accent1"/>
+              </a:fillRef>
+              <a:effectRef idx="0">
+                <a:schemeClr val="accent1"/>
+              </a:effectRef>
+              <a:fontRef idx="minor">
+                <a:schemeClr val="tx1"/>
+              </a:fontRef>
+            </p:style>
+          </p:cxnSp>
+          <p:cxnSp>
+            <p:nvCxnSpPr>
+              <p:cNvPr id="20" name="Straight Arrow Connector 19"/>
+              <p:cNvCxnSpPr/>
+              <p:nvPr/>
+            </p:nvCxnSpPr>
+            <p:spPr>
+              <a:xfrm>
+                <a:off x="4648200" y="2397443"/>
+                <a:ext cx="0" cy="1110734"/>
+              </a:xfrm>
+              <a:prstGeom prst="straightConnector1">
+                <a:avLst/>
+              </a:prstGeom>
+              <a:ln>
+                <a:solidFill>
+                  <a:schemeClr val="tx1"/>
+                </a:solidFill>
+                <a:tailEnd type="arrow"/>
+              </a:ln>
+            </p:spPr>
+            <p:style>
+              <a:lnRef idx="1">
+                <a:schemeClr val="accent1"/>
+              </a:lnRef>
+              <a:fillRef idx="0">
+                <a:schemeClr val="accent1"/>
+              </a:fillRef>
+              <a:effectRef idx="0">
+                <a:schemeClr val="accent1"/>
+              </a:effectRef>
+              <a:fontRef idx="minor">
+                <a:schemeClr val="tx1"/>
+              </a:fontRef>
+            </p:style>
+          </p:cxnSp>
+          <p:cxnSp>
+            <p:nvCxnSpPr>
+              <p:cNvPr id="21" name="Straight Arrow Connector 20"/>
+              <p:cNvCxnSpPr/>
+              <p:nvPr/>
+            </p:nvCxnSpPr>
+            <p:spPr>
+              <a:xfrm flipH="1">
+                <a:off x="2209800" y="3508177"/>
+                <a:ext cx="2286000" cy="0"/>
+              </a:xfrm>
+              <a:prstGeom prst="straightConnector1">
+                <a:avLst/>
+              </a:prstGeom>
+              <a:ln>
+                <a:solidFill>
+                  <a:schemeClr val="tx1"/>
+                </a:solidFill>
+                <a:tailEnd type="arrow"/>
+              </a:ln>
+            </p:spPr>
+            <p:style>
+              <a:lnRef idx="1">
+                <a:schemeClr val="accent1"/>
+              </a:lnRef>
+              <a:fillRef idx="0">
+                <a:schemeClr val="accent1"/>
+              </a:fillRef>
+              <a:effectRef idx="0">
+                <a:schemeClr val="accent1"/>
+              </a:effectRef>
+              <a:fontRef idx="minor">
+                <a:schemeClr val="tx1"/>
+              </a:fontRef>
+            </p:style>
+          </p:cxnSp>
+          <p:sp>
+            <p:nvSpPr>
+              <p:cNvPr id="22" name="TextBox 33"/>
+              <p:cNvSpPr txBox="1"/>
+              <p:nvPr/>
+            </p:nvSpPr>
+            <p:spPr>
+              <a:xfrm>
+                <a:off x="486294" y="3323309"/>
+                <a:ext cx="1626243" cy="481917"/>
+              </a:xfrm>
+              <a:prstGeom prst="rect">
+                <a:avLst/>
+              </a:prstGeom>
+              <a:noFill/>
+            </p:spPr>
+            <p:txBody>
+              <a:bodyPr wrap="square" rtlCol="0">
+                <a:noAutofit/>
+              </a:bodyPr>
+              <a:lstStyle/>
+              <a:p>
+                <a:pPr marL="0" marR="0">
+                  <a:spcBef>
+                    <a:spcPts val="0"/>
+                  </a:spcBef>
+                  <a:spcAft>
+                    <a:spcPts val="0"/>
+                  </a:spcAft>
+                </a:pPr>
+                <a:r>
+                  <a:rPr lang="en-US" sz="1800" kern="1200" dirty="0">
+                    <a:solidFill>
+                      <a:srgbClr val="000000"/>
+                    </a:solidFill>
+                    <a:effectLst/>
+                    <a:latin typeface="Calibri"/>
+                    <a:ea typeface="Times New Roman"/>
+                    <a:cs typeface="Times New Roman"/>
+                  </a:rPr>
+                  <a:t>Source</a:t>
+                </a:r>
+                <a:endParaRPr lang="en-US" sz="1200" dirty="0">
+                  <a:effectLst/>
+                  <a:latin typeface="Times New Roman"/>
+                  <a:ea typeface="Times New Roman"/>
+                </a:endParaRPr>
+              </a:p>
+            </p:txBody>
+          </p:sp>
+        </p:grpSp>
+        <p:cxnSp>
+          <p:nvCxnSpPr>
+            <p:cNvPr id="6" name="Straight Arrow Connector 5"/>
+            <p:cNvCxnSpPr/>
+            <p:nvPr/>
+          </p:nvCxnSpPr>
+          <p:spPr>
+            <a:xfrm>
+              <a:off x="2417885" y="155377"/>
+              <a:ext cx="0" cy="304800"/>
+            </a:xfrm>
+            <a:prstGeom prst="straightConnector1">
+              <a:avLst/>
+            </a:prstGeom>
+            <a:ln>
+              <a:solidFill>
+                <a:schemeClr val="tx1"/>
+              </a:solidFill>
+              <a:tailEnd type="arrow"/>
+            </a:ln>
+          </p:spPr>
+          <p:style>
+            <a:lnRef idx="1">
+              <a:schemeClr val="accent1"/>
+            </a:lnRef>
+            <a:fillRef idx="0">
+              <a:schemeClr val="accent1"/>
+            </a:fillRef>
+            <a:effectRef idx="0">
+              <a:schemeClr val="accent1"/>
+            </a:effectRef>
+            <a:fontRef idx="minor">
+              <a:schemeClr val="tx1"/>
+            </a:fontRef>
+          </p:style>
+        </p:cxnSp>
+        <p:sp>
+          <p:nvSpPr>
+            <p:cNvPr id="7" name="TextBox 40"/>
+            <p:cNvSpPr txBox="1"/>
+            <p:nvPr/>
+          </p:nvSpPr>
+          <p:spPr>
+            <a:xfrm>
+              <a:off x="2501298" y="18920"/>
+              <a:ext cx="1086453" cy="308609"/>
+            </a:xfrm>
+            <a:prstGeom prst="rect">
+              <a:avLst/>
+            </a:prstGeom>
+            <a:noFill/>
+          </p:spPr>
+          <p:txBody>
+            <a:bodyPr wrap="square" rtlCol="0">
+              <a:noAutofit/>
+            </a:bodyPr>
+            <a:lstStyle/>
+            <a:p>
+              <a:pPr marL="0" marR="0">
+                <a:spcBef>
+                  <a:spcPts val="0"/>
+                </a:spcBef>
+                <a:spcAft>
+                  <a:spcPts val="0"/>
+                </a:spcAft>
+              </a:pPr>
+              <a:r>
+                <a:rPr lang="en-US" sz="1400" kern="1200" dirty="0" smtClean="0">
+                  <a:solidFill>
+                    <a:srgbClr val="000000"/>
+                  </a:solidFill>
+                  <a:effectLst/>
+                  <a:latin typeface="Calibri"/>
+                  <a:ea typeface="Times New Roman"/>
+                  <a:cs typeface="Times New Roman"/>
+                </a:rPr>
+                <a:t>Isolation</a:t>
+              </a:r>
+              <a:endParaRPr lang="en-US" sz="1200" dirty="0">
+                <a:effectLst/>
+                <a:latin typeface="Times New Roman"/>
+                <a:ea typeface="Times New Roman"/>
+              </a:endParaRPr>
+            </a:p>
+          </p:txBody>
+        </p:sp>
+      </p:grpSp>
+      <p:pic>
+        <p:nvPicPr>
+          <p:cNvPr id="2050" name="Picture 2"/>
+          <p:cNvPicPr>
+            <a:picLocks noChangeAspect="1" noChangeArrowheads="1"/>
+          </p:cNvPicPr>
+          <p:nvPr/>
+        </p:nvPicPr>
+        <p:blipFill>
+          <a:blip r:embed="rId2">
+            <a:extLst>
+              <a:ext uri="{28A0092B-C50C-407E-A947-70E740481C1C}">
+                <a14:useLocalDpi xmlns:a14="http://schemas.microsoft.com/office/drawing/2010/main" val="0"/>
+              </a:ext>
+            </a:extLst>
+          </a:blip>
+          <a:srcRect/>
+          <a:stretch>
+            <a:fillRect/>
+          </a:stretch>
+        </p:blipFill>
+        <p:spPr bwMode="auto">
+          <a:xfrm>
+            <a:off x="4724400" y="2317613"/>
+            <a:ext cx="4114800" cy="2720580"/>
+          </a:xfrm>
+          <a:prstGeom prst="rect">
+            <a:avLst/>
+          </a:prstGeom>
+          <a:noFill/>
+          <a:ln>
+            <a:noFill/>
+          </a:ln>
+          <a:extLst>
+            <a:ext uri="{909E8E84-426E-40DD-AFC4-6F175D3DCCD1}">
+              <a14:hiddenFill xmlns:a14="http://schemas.microsoft.com/office/drawing/2010/main">
                 <a:solidFill>
                   <a:schemeClr val="accent1"/>
                 </a:solidFill>
-              </a:rPr>
-              <a:t>Picture of board</a:t>
-            </a:r>
-          </a:p>
-          <a:p>
-            <a:pPr marL="457200" lvl="1" indent="0">
-              <a:buNone/>
-            </a:pPr>
-            <a:r>
-              <a:rPr lang="en-US" dirty="0" smtClean="0">
-                <a:solidFill>
-                  <a:schemeClr val="accent1"/>
-                </a:solidFill>
-              </a:rPr>
-              <a:t>Picture explain graphics</a:t>
-            </a:r>
-            <a:endParaRPr lang="en-US" dirty="0" smtClean="0">
-              <a:solidFill>
-                <a:schemeClr val="accent1"/>
-              </a:solidFill>
-            </a:endParaRPr>
-          </a:p>
-          <a:p>
-            <a:endParaRPr lang="en-US" dirty="0">
-              <a:solidFill>
-                <a:schemeClr val="accent1"/>
-              </a:solidFill>
-            </a:endParaRPr>
-          </a:p>
-        </p:txBody>
-      </p:sp>
+              </a14:hiddenFill>
+            </a:ext>
+            <a:ext uri="{91240B29-F687-4F45-9708-019B960494DF}">
+              <a14:hiddenLine xmlns:a14="http://schemas.microsoft.com/office/drawing/2010/main" w="9525">
+                <a:solidFill>
+                  <a:schemeClr val="tx1"/>
+                </a:solidFill>
+                <a:miter lim="800000"/>
+                <a:headEnd/>
+                <a:tailEnd/>
+              </a14:hiddenLine>
+            </a:ext>
+          </a:extLst>
+        </p:spPr>
+      </p:pic>
     </p:spTree>
     <p:extLst>
       <p:ext uri="{BB962C8B-B14F-4D97-AF65-F5344CB8AC3E}">
@@ -4178,29 +5336,211 @@
           </a:p>
         </p:txBody>
       </p:sp>
-      <p:sp>
-        <p:nvSpPr>
-          <p:cNvPr id="3" name="Content Placeholder 2"/>
-          <p:cNvSpPr>
-            <a:spLocks noGrp="1"/>
-          </p:cNvSpPr>
-          <p:nvPr>
-            <p:ph idx="1"/>
-          </p:nvPr>
-        </p:nvSpPr>
-        <p:spPr/>
-        <p:txBody>
-          <a:bodyPr/>
-          <a:lstStyle/>
-          <a:p>
-            <a:endParaRPr lang="en-US" dirty="0" smtClean="0">
-              <a:solidFill>
-                <a:schemeClr val="accent1"/>
-              </a:solidFill>
-            </a:endParaRPr>
-          </a:p>
-        </p:txBody>
-      </p:sp>
+      <p:pic>
+        <p:nvPicPr>
+          <p:cNvPr id="6" name="Picture 4"/>
+          <p:cNvPicPr>
+            <a:picLocks noChangeAspect="1" noChangeArrowheads="1"/>
+          </p:cNvPicPr>
+          <p:nvPr/>
+        </p:nvPicPr>
+        <p:blipFill>
+          <a:blip r:embed="rId2">
+            <a:extLst>
+              <a:ext uri="{28A0092B-C50C-407E-A947-70E740481C1C}">
+                <a14:useLocalDpi xmlns:a14="http://schemas.microsoft.com/office/drawing/2010/main" val="0"/>
+              </a:ext>
+            </a:extLst>
+          </a:blip>
+          <a:srcRect/>
+          <a:stretch>
+            <a:fillRect/>
+          </a:stretch>
+        </p:blipFill>
+        <p:spPr bwMode="auto">
+          <a:xfrm>
+            <a:off x="21596415" y="19563741"/>
+            <a:ext cx="5301981" cy="3657600"/>
+          </a:xfrm>
+          <a:prstGeom prst="rect">
+            <a:avLst/>
+          </a:prstGeom>
+          <a:noFill/>
+          <a:ln>
+            <a:noFill/>
+          </a:ln>
+          <a:effectLst/>
+          <a:extLst>
+            <a:ext uri="{909E8E84-426E-40DD-AFC4-6F175D3DCCD1}">
+              <a14:hiddenFill xmlns:a14="http://schemas.microsoft.com/office/drawing/2010/main">
+                <a:solidFill>
+                  <a:schemeClr val="accent1"/>
+                </a:solidFill>
+              </a14:hiddenFill>
+            </a:ext>
+            <a:ext uri="{91240B29-F687-4F45-9708-019B960494DF}">
+              <a14:hiddenLine xmlns:a14="http://schemas.microsoft.com/office/drawing/2010/main" w="9525">
+                <a:solidFill>
+                  <a:schemeClr val="tx1"/>
+                </a:solidFill>
+                <a:miter lim="800000"/>
+                <a:headEnd/>
+                <a:tailEnd/>
+              </a14:hiddenLine>
+            </a:ext>
+            <a:ext uri="{AF507438-7753-43E0-B8FC-AC1667EBCBE1}">
+              <a14:hiddenEffects xmlns:a14="http://schemas.microsoft.com/office/drawing/2010/main">
+                <a:effectLst>
+                  <a:outerShdw dist="35921" dir="2700000" algn="ctr" rotWithShape="0">
+                    <a:schemeClr val="bg2"/>
+                  </a:outerShdw>
+                </a:effectLst>
+              </a14:hiddenEffects>
+            </a:ext>
+          </a:extLst>
+        </p:spPr>
+      </p:pic>
+      <p:sp>
+        <p:nvSpPr>
+          <p:cNvPr id="7" name="TextBox 6"/>
+          <p:cNvSpPr txBox="1"/>
+          <p:nvPr/>
+        </p:nvSpPr>
+        <p:spPr>
+          <a:xfrm>
+            <a:off x="21596415" y="23301737"/>
+            <a:ext cx="5006307" cy="1077218"/>
+          </a:xfrm>
+          <a:prstGeom prst="rect">
+            <a:avLst/>
+          </a:prstGeom>
+          <a:noFill/>
+        </p:spPr>
+        <p:txBody>
+          <a:bodyPr wrap="none" rtlCol="0">
+            <a:spAutoFit/>
+          </a:bodyPr>
+          <a:lstStyle/>
+          <a:p>
+            <a:r>
+              <a:rPr lang="en-US" sz="3200" dirty="0" smtClean="0"/>
+              <a:t>Analog signal without digital </a:t>
+            </a:r>
+          </a:p>
+          <a:p>
+            <a:r>
+              <a:rPr lang="en-US" sz="3200" dirty="0" smtClean="0"/>
+              <a:t>Interference </a:t>
+            </a:r>
+            <a:endParaRPr lang="en-US" sz="3200" dirty="0"/>
+          </a:p>
+        </p:txBody>
+      </p:sp>
+      <p:pic>
+        <p:nvPicPr>
+          <p:cNvPr id="8" name="Picture 7"/>
+          <p:cNvPicPr/>
+          <p:nvPr/>
+        </p:nvPicPr>
+        <p:blipFill>
+          <a:blip r:embed="rId3" cstate="print">
+            <a:extLst>
+              <a:ext uri="{28A0092B-C50C-407E-A947-70E740481C1C}">
+                <a14:useLocalDpi xmlns:a14="http://schemas.microsoft.com/office/drawing/2010/main" val="0"/>
+              </a:ext>
+            </a:extLst>
+          </a:blip>
+          <a:srcRect/>
+          <a:stretch>
+            <a:fillRect/>
+          </a:stretch>
+        </p:blipFill>
+        <p:spPr bwMode="auto">
+          <a:xfrm>
+            <a:off x="381000" y="1447800"/>
+            <a:ext cx="3067050" cy="2115820"/>
+          </a:xfrm>
+          <a:prstGeom prst="rect">
+            <a:avLst/>
+          </a:prstGeom>
+          <a:noFill/>
+          <a:ln>
+            <a:noFill/>
+          </a:ln>
+          <a:effectLst/>
+          <a:extLst/>
+        </p:spPr>
+      </p:pic>
+      <p:pic>
+        <p:nvPicPr>
+          <p:cNvPr id="9" name="Picture 8"/>
+          <p:cNvPicPr/>
+          <p:nvPr/>
+        </p:nvPicPr>
+        <p:blipFill>
+          <a:blip r:embed="rId4" cstate="print">
+            <a:extLst>
+              <a:ext uri="{28A0092B-C50C-407E-A947-70E740481C1C}">
+                <a14:useLocalDpi xmlns:a14="http://schemas.microsoft.com/office/drawing/2010/main" val="0"/>
+              </a:ext>
+            </a:extLst>
+          </a:blip>
+          <a:srcRect/>
+          <a:stretch>
+            <a:fillRect/>
+          </a:stretch>
+        </p:blipFill>
+        <p:spPr bwMode="auto">
+          <a:xfrm>
+            <a:off x="4876800" y="1436318"/>
+            <a:ext cx="2987675" cy="2095500"/>
+          </a:xfrm>
+          <a:prstGeom prst="rect">
+            <a:avLst/>
+          </a:prstGeom>
+          <a:noFill/>
+          <a:ln>
+            <a:noFill/>
+          </a:ln>
+          <a:effectLst/>
+          <a:extLst/>
+        </p:spPr>
+      </p:pic>
+      <p:pic>
+        <p:nvPicPr>
+          <p:cNvPr id="11" name="Picture 10"/>
+          <p:cNvPicPr/>
+          <p:nvPr/>
+        </p:nvPicPr>
+        <p:blipFill>
+          <a:blip r:embed="rId5" cstate="print">
+            <a:extLst>
+              <a:ext uri="{28A0092B-C50C-407E-A947-70E740481C1C}">
+                <a14:useLocalDpi xmlns:a14="http://schemas.microsoft.com/office/drawing/2010/main" val="0"/>
+              </a:ext>
+            </a:extLst>
+          </a:blip>
+          <a:srcRect/>
+          <a:stretch>
+            <a:fillRect/>
+          </a:stretch>
+        </p:blipFill>
+        <p:spPr bwMode="auto">
+          <a:xfrm>
+            <a:off x="2895600" y="3962400"/>
+            <a:ext cx="2943225" cy="2075180"/>
+          </a:xfrm>
+          <a:prstGeom prst="rect">
+            <a:avLst/>
+          </a:prstGeom>
+          <a:noFill/>
+          <a:ln>
+            <a:noFill/>
+          </a:ln>
+          <a:effectLst/>
+          <a:extLst/>
+        </p:spPr>
+      </p:pic>
     </p:spTree>
     <p:extLst>
       <p:ext uri="{BB962C8B-B14F-4D97-AF65-F5344CB8AC3E}">
@@ -4286,16 +5626,6 @@
           <a:bodyPr/>
           <a:lstStyle/>
           <a:p>
-            <a:r>
-              <a:rPr lang="en-US" dirty="0" smtClean="0">
-                <a:solidFill>
-                  <a:schemeClr val="accent1"/>
-                </a:solidFill>
-              </a:rPr>
-              <a:t>Picture of board/picture of layout</a:t>
-            </a:r>
-          </a:p>
-          <a:p>
             <a:endParaRPr lang="en-US" dirty="0">
               <a:solidFill>
                 <a:schemeClr val="accent1"/>
@@ -4314,6 +5644,40 @@
           </a:p>
         </p:txBody>
       </p:sp>
+      <p:pic>
+        <p:nvPicPr>
+          <p:cNvPr id="4" name="Picture 3"/>
+          <p:cNvPicPr/>
+          <p:nvPr/>
+        </p:nvPicPr>
+        <p:blipFill>
+          <a:blip r:embed="rId2">
+            <a:extLst>
+              <a:ext uri="{28A0092B-C50C-407E-A947-70E740481C1C}">
+                <a14:useLocalDpi xmlns:a14="http://schemas.microsoft.com/office/drawing/2010/main" val="0"/>
+              </a:ext>
+            </a:extLst>
+          </a:blip>
+          <a:srcRect/>
+          <a:stretch>
+            <a:fillRect/>
+          </a:stretch>
+        </p:blipFill>
+        <p:spPr bwMode="auto">
+          <a:xfrm>
+            <a:off x="838200" y="1447800"/>
+            <a:ext cx="7315200" cy="4724400"/>
+          </a:xfrm>
+          <a:prstGeom prst="rect">
+            <a:avLst/>
+          </a:prstGeom>
+          <a:noFill/>
+          <a:ln>
+            <a:noFill/>
+          </a:ln>
+          <a:extLst/>
+        </p:spPr>
+      </p:pic>
     </p:spTree>
     <p:extLst>
       <p:ext uri="{BB962C8B-B14F-4D97-AF65-F5344CB8AC3E}">
@@ -4363,63 +5727,64 @@
         </p:nvSpPr>
         <p:spPr/>
         <p:txBody>
-          <a:bodyPr>
-            <a:noAutofit/>
-          </a:bodyPr>
-          <a:lstStyle/>
-          <a:p>
-            <a:r>
-              <a:rPr lang="en-US" sz="4000" b="1" dirty="0" smtClean="0">
+          <a:bodyPr/>
+          <a:lstStyle/>
+          <a:p>
+            <a:r>
+              <a:rPr lang="en-US" dirty="0" smtClean="0">
                 <a:solidFill>
                   <a:schemeClr val="tx2"/>
                 </a:solidFill>
               </a:rPr>
-              <a:t>ISI Measurement Results</a:t>
-            </a:r>
-            <a:endParaRPr lang="en-US" sz="4000" b="1" dirty="0">
-              <a:solidFill>
-                <a:schemeClr val="tx2"/>
-              </a:solidFill>
-            </a:endParaRPr>
-          </a:p>
-        </p:txBody>
-      </p:sp>
-      <p:sp>
-        <p:nvSpPr>
-          <p:cNvPr id="3" name="Content Placeholder 2"/>
-          <p:cNvSpPr>
-            <a:spLocks noGrp="1"/>
-          </p:cNvSpPr>
-          <p:nvPr>
-            <p:ph idx="1"/>
-          </p:nvPr>
-        </p:nvSpPr>
-        <p:spPr/>
-        <p:txBody>
-          <a:bodyPr/>
-          <a:lstStyle/>
-          <a:p>
+              <a:t> ISI Finished Board</a:t>
+            </a:r>
             <a:endParaRPr lang="en-US" dirty="0"/>
           </a:p>
         </p:txBody>
       </p:sp>
+      <p:pic>
+        <p:nvPicPr>
+          <p:cNvPr id="4" name="Picture 3" descr="C:\Users\Travis\Downloads\IMG_0020.JPG"/>
+          <p:cNvPicPr/>
+          <p:nvPr/>
+        </p:nvPicPr>
+        <p:blipFill>
+          <a:blip r:embed="rId2" cstate="print">
+            <a:extLst>
+              <a:ext uri="{28A0092B-C50C-407E-A947-70E740481C1C}">
+                <a14:useLocalDpi xmlns:a14="http://schemas.microsoft.com/office/drawing/2010/main" val="0"/>
+              </a:ext>
+            </a:extLst>
+          </a:blip>
+          <a:srcRect/>
+          <a:stretch>
+            <a:fillRect/>
+          </a:stretch>
+        </p:blipFill>
+        <p:spPr bwMode="auto">
+          <a:xfrm>
+            <a:off x="1600200" y="1752600"/>
+            <a:ext cx="5943600" cy="4457700"/>
+          </a:xfrm>
+          <a:prstGeom prst="rect">
+            <a:avLst/>
+          </a:prstGeom>
+          <a:noFill/>
+          <a:ln>
+            <a:noFill/>
+          </a:ln>
+        </p:spPr>
+      </p:pic>
     </p:spTree>
     <p:extLst>
       <p:ext uri="{BB962C8B-B14F-4D97-AF65-F5344CB8AC3E}">
-        <p14:creationId xmlns:p14="http://schemas.microsoft.com/office/powerpoint/2010/main" val="2242673048"/>
+        <p14:creationId xmlns:p14="http://schemas.microsoft.com/office/powerpoint/2010/main" val="108722762"/>
       </p:ext>
     </p:extLst>
   </p:cSld>
   <p:clrMapOvr>
     <a:masterClrMapping/>
   </p:clrMapOvr>
-  <p:timing>
-    <p:tnLst>
-      <p:par>
-        <p:cTn id="1" dur="indefinite" restart="never" nodeType="tmRoot"/>
-      </p:par>
-    </p:tnLst>
-  </p:timing>
 </p:sld>
 </file>
 
@@ -4452,77 +5817,66 @@
         </p:nvSpPr>
         <p:spPr/>
         <p:txBody>
-          <a:bodyPr/>
-          <a:lstStyle/>
-          <a:p>
-            <a:r>
-              <a:rPr lang="en-US" dirty="0" smtClean="0">
+          <a:bodyPr>
+            <a:noAutofit/>
+          </a:bodyPr>
+          <a:lstStyle/>
+          <a:p>
+            <a:r>
+              <a:rPr lang="en-US" sz="4000" b="1" dirty="0" smtClean="0">
                 <a:solidFill>
                   <a:schemeClr val="tx2"/>
                 </a:solidFill>
               </a:rPr>
-              <a:t>Testing</a:t>
-            </a:r>
-            <a:endParaRPr lang="en-US" dirty="0"/>
-          </a:p>
-        </p:txBody>
-      </p:sp>
-      <p:sp>
-        <p:nvSpPr>
-          <p:cNvPr id="3" name="Content Placeholder 2"/>
-          <p:cNvSpPr>
-            <a:spLocks noGrp="1"/>
-          </p:cNvSpPr>
-          <p:nvPr>
-            <p:ph idx="1"/>
-          </p:nvPr>
-        </p:nvSpPr>
-        <p:spPr/>
-        <p:txBody>
-          <a:bodyPr/>
-          <a:lstStyle/>
-          <a:p>
-            <a:r>
-              <a:rPr lang="en-US" b="1" dirty="0" smtClean="0">
-                <a:solidFill>
-                  <a:schemeClr val="accent1"/>
-                </a:solidFill>
-              </a:rPr>
-              <a:t>Module Testing</a:t>
-            </a:r>
-            <a:endParaRPr lang="en-US" b="1" dirty="0" smtClean="0">
+              <a:t>ISI Measurement Results</a:t>
+            </a:r>
+            <a:endParaRPr lang="en-US" sz="4000" b="1" dirty="0">
               <a:solidFill>
-                <a:schemeClr val="accent1"/>
+                <a:schemeClr val="tx2"/>
               </a:solidFill>
             </a:endParaRPr>
           </a:p>
-          <a:p>
-            <a:r>
-              <a:rPr lang="en-US" b="1" dirty="0" smtClean="0">
-                <a:solidFill>
-                  <a:schemeClr val="accent1"/>
-                </a:solidFill>
-              </a:rPr>
-              <a:t>Integrated testing</a:t>
-            </a:r>
-            <a:endParaRPr lang="en-US" b="1" dirty="0" smtClean="0">
-              <a:solidFill>
-                <a:schemeClr val="accent1"/>
-              </a:solidFill>
-            </a:endParaRPr>
-          </a:p>
-          <a:p>
-            <a:pPr marL="0" indent="0">
-              <a:buNone/>
-            </a:pPr>
-            <a:endParaRPr lang="en-US" dirty="0"/>
-          </a:p>
-        </p:txBody>
-      </p:sp>
+        </p:txBody>
+      </p:sp>
+      <p:pic>
+        <p:nvPicPr>
+          <p:cNvPr id="5" name="Picture 4"/>
+          <p:cNvPicPr/>
+          <p:nvPr/>
+        </p:nvPicPr>
+        <p:blipFill>
+          <a:blip r:embed="rId2">
+            <a:extLst>
+              <a:ext uri="{28A0092B-C50C-407E-A947-70E740481C1C}">
+                <a14:useLocalDpi xmlns:a14="http://schemas.microsoft.com/office/drawing/2010/main" val="0"/>
+              </a:ext>
+            </a:extLst>
+          </a:blip>
+          <a:srcRect/>
+          <a:stretch>
+            <a:fillRect/>
+          </a:stretch>
+        </p:blipFill>
+        <p:spPr bwMode="auto">
+          <a:xfrm>
+            <a:off x="914400" y="1447800"/>
+            <a:ext cx="7239000" cy="4419600"/>
+          </a:xfrm>
+          <a:prstGeom prst="rect">
+            <a:avLst/>
+          </a:prstGeom>
+          <a:noFill/>
+          <a:ln>
+            <a:noFill/>
+          </a:ln>
+          <a:effectLst/>
+          <a:extLst/>
+        </p:spPr>
+      </p:pic>
     </p:spTree>
     <p:extLst>
       <p:ext uri="{BB962C8B-B14F-4D97-AF65-F5344CB8AC3E}">
-        <p14:creationId xmlns:p14="http://schemas.microsoft.com/office/powerpoint/2010/main" val="2022992809"/>
+        <p14:creationId xmlns:p14="http://schemas.microsoft.com/office/powerpoint/2010/main" val="2242673048"/>
       </p:ext>
     </p:extLst>
   </p:cSld>
@@ -4577,7 +5931,7 @@
                   <a:schemeClr val="tx2"/>
                 </a:solidFill>
               </a:rPr>
-              <a:t>Testing Images</a:t>
+              <a:t>Testing Approach</a:t>
             </a:r>
             <a:endParaRPr lang="en-US" dirty="0"/>
           </a:p>
@@ -4601,13 +5955,30 @@
           <a:lstStyle/>
           <a:p>
             <a:r>
-              <a:rPr lang="en-US" b="1" dirty="0" smtClean="0"/>
-              <a:t>Image of testing</a:t>
-            </a:r>
-            <a:endParaRPr lang="en-US" b="1" dirty="0"/>
-          </a:p>
-          <a:p>
-            <a:endParaRPr lang="en-US" dirty="0"/>
+              <a:rPr lang="en-US" dirty="0" smtClean="0">
+                <a:solidFill>
+                  <a:schemeClr val="accent1"/>
+                </a:solidFill>
+              </a:rPr>
+              <a:t>Modular Testing</a:t>
+            </a:r>
+          </a:p>
+          <a:p>
+            <a:r>
+              <a:rPr lang="en-US" dirty="0" smtClean="0">
+                <a:solidFill>
+                  <a:schemeClr val="accent1"/>
+                </a:solidFill>
+              </a:rPr>
+              <a:t>Integrated Testing</a:t>
+            </a:r>
+          </a:p>
+          <a:p>
+            <a:endParaRPr lang="en-US" dirty="0">
+              <a:solidFill>
+                <a:schemeClr val="accent1"/>
+              </a:solidFill>
+            </a:endParaRPr>
           </a:p>
         </p:txBody>
       </p:sp>
